--- a/lesson12.pptx
+++ b/lesson12.pptx
@@ -233,7 +233,7 @@
             <a:fld id="{85522811-C5C6-42D2-A409-F8556720C93F}" type="datetimeFigureOut">
               <a:rPr lang="uk-UA" smtClean="0"/>
               <a:pPr/>
-              <a:t>18.10.2020</a:t>
+              <a:t>19.10.2020</a:t>
             </a:fld>
             <a:endParaRPr lang="uk-UA"/>
           </a:p>
@@ -778,7 +778,7 @@
             <a:fld id="{0A2E6AC4-C3FE-4E70-88D1-136405B25267}" type="datetime1">
               <a:rPr lang="uk-UA" smtClean="0"/>
               <a:pPr/>
-              <a:t>18.10.2020</a:t>
+              <a:t>19.10.2020</a:t>
             </a:fld>
             <a:endParaRPr lang="uk-UA"/>
           </a:p>
@@ -945,7 +945,7 @@
             <a:fld id="{B4D85949-5AE9-41F1-B18C-DA1006B0E8CC}" type="datetime1">
               <a:rPr lang="uk-UA" smtClean="0"/>
               <a:pPr/>
-              <a:t>18.10.2020</a:t>
+              <a:t>19.10.2020</a:t>
             </a:fld>
             <a:endParaRPr lang="uk-UA"/>
           </a:p>
@@ -1122,7 +1122,7 @@
             <a:fld id="{B20C227C-94C5-4BA1-A89C-1C7570144B22}" type="datetime1">
               <a:rPr lang="uk-UA" smtClean="0"/>
               <a:pPr/>
-              <a:t>18.10.2020</a:t>
+              <a:t>19.10.2020</a:t>
             </a:fld>
             <a:endParaRPr lang="uk-UA"/>
           </a:p>
@@ -1289,7 +1289,7 @@
             <a:fld id="{68E2E168-B245-4D8D-8538-B29990DBF87B}" type="datetime1">
               <a:rPr lang="uk-UA" smtClean="0"/>
               <a:pPr/>
-              <a:t>18.10.2020</a:t>
+              <a:t>19.10.2020</a:t>
             </a:fld>
             <a:endParaRPr lang="uk-UA"/>
           </a:p>
@@ -1532,7 +1532,7 @@
             <a:fld id="{356DAF6E-7007-4E61-B36E-794BF232B234}" type="datetime1">
               <a:rPr lang="uk-UA" smtClean="0"/>
               <a:pPr/>
-              <a:t>18.10.2020</a:t>
+              <a:t>19.10.2020</a:t>
             </a:fld>
             <a:endParaRPr lang="uk-UA"/>
           </a:p>
@@ -1817,7 +1817,7 @@
             <a:fld id="{4B2141DD-FE72-44AA-B946-B70892F1F5B7}" type="datetime1">
               <a:rPr lang="uk-UA" smtClean="0"/>
               <a:pPr/>
-              <a:t>18.10.2020</a:t>
+              <a:t>19.10.2020</a:t>
             </a:fld>
             <a:endParaRPr lang="uk-UA"/>
           </a:p>
@@ -2236,7 +2236,7 @@
             <a:fld id="{D1C4DC7C-6CC4-4D1F-A21B-A650800E0532}" type="datetime1">
               <a:rPr lang="uk-UA" smtClean="0"/>
               <a:pPr/>
-              <a:t>18.10.2020</a:t>
+              <a:t>19.10.2020</a:t>
             </a:fld>
             <a:endParaRPr lang="uk-UA"/>
           </a:p>
@@ -2351,7 +2351,7 @@
             <a:fld id="{09E753FA-BE70-4E9D-A1A2-A798C2E22C2C}" type="datetime1">
               <a:rPr lang="uk-UA" smtClean="0"/>
               <a:pPr/>
-              <a:t>18.10.2020</a:t>
+              <a:t>19.10.2020</a:t>
             </a:fld>
             <a:endParaRPr lang="uk-UA"/>
           </a:p>
@@ -2443,7 +2443,7 @@
             <a:fld id="{BC4E9D1B-A194-48C6-B5A1-4C29D0F81227}" type="datetime1">
               <a:rPr lang="uk-UA" smtClean="0"/>
               <a:pPr/>
-              <a:t>18.10.2020</a:t>
+              <a:t>19.10.2020</a:t>
             </a:fld>
             <a:endParaRPr lang="uk-UA"/>
           </a:p>
@@ -2717,7 +2717,7 @@
             <a:fld id="{98DC5B78-3AEE-4E8C-84A2-DF8B252C6B7D}" type="datetime1">
               <a:rPr lang="uk-UA" smtClean="0"/>
               <a:pPr/>
-              <a:t>18.10.2020</a:t>
+              <a:t>19.10.2020</a:t>
             </a:fld>
             <a:endParaRPr lang="uk-UA"/>
           </a:p>
@@ -2967,7 +2967,7 @@
             <a:fld id="{08E6AC05-7690-4D29-B090-15CFA8055B58}" type="datetime1">
               <a:rPr lang="uk-UA" smtClean="0"/>
               <a:pPr/>
-              <a:t>18.10.2020</a:t>
+              <a:t>19.10.2020</a:t>
             </a:fld>
             <a:endParaRPr lang="uk-UA"/>
           </a:p>
@@ -3177,7 +3177,7 @@
             <a:fld id="{C4778AB5-85A2-4D58-9351-A198925B541D}" type="datetime1">
               <a:rPr lang="uk-UA" smtClean="0"/>
               <a:pPr/>
-              <a:t>18.10.2020</a:t>
+              <a:t>19.10.2020</a:t>
             </a:fld>
             <a:endParaRPr lang="uk-UA"/>
           </a:p>
@@ -8076,8 +8076,8 @@
         </p:blipFill>
         <p:spPr>
           <a:xfrm>
-            <a:off x="2063552" y="797233"/>
-            <a:ext cx="8302543" cy="5707632"/>
+            <a:off x="623392" y="1628800"/>
+            <a:ext cx="5273131" cy="3625045"/>
           </a:xfrm>
           <a:prstGeom prst="rect">
             <a:avLst/>
@@ -8092,7 +8092,7 @@
         </p:nvSpPr>
         <p:spPr>
           <a:xfrm>
-            <a:off x="0" y="188640"/>
+            <a:off x="0" y="251937"/>
             <a:ext cx="12192000" cy="584775"/>
           </a:xfrm>
           <a:prstGeom prst="rect">
@@ -8109,9 +8109,80 @@
             <a:pPr algn="ctr"/>
             <a:r>
               <a:rPr lang="ru-RU" sz="3200" b="1" dirty="0" smtClean="0"/>
-              <a:t>Многоколоночное размещение элементов</a:t>
+              <a:t>Подходы Адаптивности / Адаптивной вёрстки</a:t>
             </a:r>
             <a:endParaRPr lang="ru-RU" sz="3200" b="1" dirty="0"/>
+          </a:p>
+        </p:txBody>
+      </p:sp>
+      <p:sp>
+        <p:nvSpPr>
+          <p:cNvPr id="2" name="TextBox 1"/>
+          <p:cNvSpPr txBox="1"/>
+          <p:nvPr/>
+        </p:nvSpPr>
+        <p:spPr>
+          <a:xfrm>
+            <a:off x="6384032" y="1340768"/>
+            <a:ext cx="5328592" cy="4401205"/>
+          </a:xfrm>
+          <a:prstGeom prst="rect">
+            <a:avLst/>
+          </a:prstGeom>
+          <a:noFill/>
+        </p:spPr>
+        <p:txBody>
+          <a:bodyPr wrap="square" rtlCol="0">
+            <a:spAutoFit/>
+          </a:bodyPr>
+          <a:lstStyle/>
+          <a:p>
+            <a:pPr marL="342900" indent="-342900">
+              <a:buAutoNum type="arabicPeriod"/>
+            </a:pPr>
+            <a:r>
+              <a:rPr lang="ru-RU" sz="2800" b="1" dirty="0" smtClean="0"/>
+              <a:t>Многоколоночное размещение </a:t>
+            </a:r>
+            <a:r>
+              <a:rPr lang="ru-RU" sz="2800" dirty="0" smtClean="0"/>
+              <a:t>элементов;</a:t>
+            </a:r>
+            <a:br>
+              <a:rPr lang="ru-RU" sz="2800" dirty="0" smtClean="0"/>
+            </a:br>
+            <a:endParaRPr lang="ru-RU" sz="2800" dirty="0" smtClean="0"/>
+          </a:p>
+          <a:p>
+            <a:pPr marL="342900" indent="-342900">
+              <a:buAutoNum type="arabicPeriod"/>
+            </a:pPr>
+            <a:r>
+              <a:rPr lang="ru-RU" sz="2800" b="1" dirty="0" smtClean="0"/>
+              <a:t>Управление видимостью </a:t>
+            </a:r>
+            <a:r>
+              <a:rPr lang="ru-RU" sz="2800" dirty="0" smtClean="0"/>
+              <a:t>элементов на разных размерах экрана;</a:t>
+            </a:r>
+            <a:br>
+              <a:rPr lang="ru-RU" sz="2800" dirty="0" smtClean="0"/>
+            </a:br>
+            <a:endParaRPr lang="ru-RU" sz="2800" dirty="0" smtClean="0"/>
+          </a:p>
+          <a:p>
+            <a:pPr marL="342900" indent="-342900">
+              <a:buAutoNum type="arabicPeriod"/>
+            </a:pPr>
+            <a:r>
+              <a:rPr lang="ru-RU" sz="2800" b="1" dirty="0" smtClean="0"/>
+              <a:t>Управление размерами </a:t>
+            </a:r>
+            <a:r>
+              <a:rPr lang="ru-RU" sz="2800" dirty="0" smtClean="0"/>
+              <a:t>элементов на разных размерах экрана.</a:t>
+            </a:r>
+            <a:endParaRPr lang="ru-RU" sz="2800" dirty="0"/>
           </a:p>
         </p:txBody>
       </p:sp>
